--- a/tetrispresentation.pptx
+++ b/tetrispresentation.pptx
@@ -106,6 +106,11 @@
       </a:defRPr>
     </a:lvl9pPr>
   </p:defaultTextStyle>
+  <p:extLst>
+    <p:ext uri="{EFAFB233-063F-42B5-8137-9DF3F51BA10A}">
+      <p15:sldGuideLst xmlns:p15="http://schemas.microsoft.com/office/powerpoint/2012/main"/>
+    </p:ext>
+  </p:extLst>
 </p:presentation>
 </file>
 
@@ -258,7 +263,7 @@
           <a:p>
             <a:fld id="{F5C8A6C0-2985-674F-A776-FDD20FED0EA8}" type="datetimeFigureOut">
               <a:rPr lang="en-US" smtClean="0"/>
-              <a:t>2/25/23</a:t>
+              <a:t>2/26/23</a:t>
             </a:fld>
             <a:endParaRPr lang="en-US"/>
           </a:p>
@@ -458,7 +463,7 @@
           <a:p>
             <a:fld id="{F5C8A6C0-2985-674F-A776-FDD20FED0EA8}" type="datetimeFigureOut">
               <a:rPr lang="en-US" smtClean="0"/>
-              <a:t>2/25/23</a:t>
+              <a:t>2/26/23</a:t>
             </a:fld>
             <a:endParaRPr lang="en-US"/>
           </a:p>
@@ -668,7 +673,7 @@
           <a:p>
             <a:fld id="{F5C8A6C0-2985-674F-A776-FDD20FED0EA8}" type="datetimeFigureOut">
               <a:rPr lang="en-US" smtClean="0"/>
-              <a:t>2/25/23</a:t>
+              <a:t>2/26/23</a:t>
             </a:fld>
             <a:endParaRPr lang="en-US"/>
           </a:p>
@@ -868,7 +873,7 @@
           <a:p>
             <a:fld id="{F5C8A6C0-2985-674F-A776-FDD20FED0EA8}" type="datetimeFigureOut">
               <a:rPr lang="en-US" smtClean="0"/>
-              <a:t>2/25/23</a:t>
+              <a:t>2/26/23</a:t>
             </a:fld>
             <a:endParaRPr lang="en-US"/>
           </a:p>
@@ -1144,7 +1149,7 @@
           <a:p>
             <a:fld id="{F5C8A6C0-2985-674F-A776-FDD20FED0EA8}" type="datetimeFigureOut">
               <a:rPr lang="en-US" smtClean="0"/>
-              <a:t>2/25/23</a:t>
+              <a:t>2/26/23</a:t>
             </a:fld>
             <a:endParaRPr lang="en-US"/>
           </a:p>
@@ -1412,7 +1417,7 @@
           <a:p>
             <a:fld id="{F5C8A6C0-2985-674F-A776-FDD20FED0EA8}" type="datetimeFigureOut">
               <a:rPr lang="en-US" smtClean="0"/>
-              <a:t>2/25/23</a:t>
+              <a:t>2/26/23</a:t>
             </a:fld>
             <a:endParaRPr lang="en-US"/>
           </a:p>
@@ -1827,7 +1832,7 @@
           <a:p>
             <a:fld id="{F5C8A6C0-2985-674F-A776-FDD20FED0EA8}" type="datetimeFigureOut">
               <a:rPr lang="en-US" smtClean="0"/>
-              <a:t>2/25/23</a:t>
+              <a:t>2/26/23</a:t>
             </a:fld>
             <a:endParaRPr lang="en-US"/>
           </a:p>
@@ -1969,7 +1974,7 @@
           <a:p>
             <a:fld id="{F5C8A6C0-2985-674F-A776-FDD20FED0EA8}" type="datetimeFigureOut">
               <a:rPr lang="en-US" smtClean="0"/>
-              <a:t>2/25/23</a:t>
+              <a:t>2/26/23</a:t>
             </a:fld>
             <a:endParaRPr lang="en-US"/>
           </a:p>
@@ -2082,7 +2087,7 @@
           <a:p>
             <a:fld id="{F5C8A6C0-2985-674F-A776-FDD20FED0EA8}" type="datetimeFigureOut">
               <a:rPr lang="en-US" smtClean="0"/>
-              <a:t>2/25/23</a:t>
+              <a:t>2/26/23</a:t>
             </a:fld>
             <a:endParaRPr lang="en-US"/>
           </a:p>
@@ -2395,7 +2400,7 @@
           <a:p>
             <a:fld id="{F5C8A6C0-2985-674F-A776-FDD20FED0EA8}" type="datetimeFigureOut">
               <a:rPr lang="en-US" smtClean="0"/>
-              <a:t>2/25/23</a:t>
+              <a:t>2/26/23</a:t>
             </a:fld>
             <a:endParaRPr lang="en-US"/>
           </a:p>
@@ -2684,7 +2689,7 @@
           <a:p>
             <a:fld id="{F5C8A6C0-2985-674F-A776-FDD20FED0EA8}" type="datetimeFigureOut">
               <a:rPr lang="en-US" smtClean="0"/>
-              <a:t>2/25/23</a:t>
+              <a:t>2/26/23</a:t>
             </a:fld>
             <a:endParaRPr lang="en-US"/>
           </a:p>
@@ -2927,7 +2932,7 @@
           <a:p>
             <a:fld id="{F5C8A6C0-2985-674F-A776-FDD20FED0EA8}" type="datetimeFigureOut">
               <a:rPr lang="en-US" smtClean="0"/>
-              <a:t>2/25/23</a:t>
+              <a:t>2/26/23</a:t>
             </a:fld>
             <a:endParaRPr lang="en-US"/>
           </a:p>
@@ -3369,7 +3374,7 @@
               <a:rPr lang="en-US" dirty="0">
                 <a:latin typeface="Comic Sans MS" panose="030F0902030302020204" pitchFamily="66" charset="0"/>
               </a:rPr>
-              <a:t>Tetris</a:t>
+              <a:t>TETRIS</a:t>
             </a:r>
           </a:p>
         </p:txBody>

--- a/tetrispresentation.pptx
+++ b/tetrispresentation.pptx
@@ -2,12 +2,14 @@
 <file path=ppt/presentation.xml><?xml version="1.0" encoding="utf-8"?>
 <p:presentation xmlns:a="http://schemas.openxmlformats.org/drawingml/2006/main" xmlns:r="http://schemas.openxmlformats.org/officeDocument/2006/relationships" xmlns:p="http://schemas.openxmlformats.org/presentationml/2006/main" saveSubsetFonts="1" autoCompressPictures="0">
   <p:sldMasterIdLst>
-    <p:sldMasterId id="2147483648" r:id="rId1"/>
+    <p:sldMasterId id="2147483684" r:id="rId1"/>
   </p:sldMasterIdLst>
   <p:sldIdLst>
     <p:sldId id="256" r:id="rId2"/>
     <p:sldId id="257" r:id="rId3"/>
     <p:sldId id="258" r:id="rId4"/>
+    <p:sldId id="259" r:id="rId5"/>
+    <p:sldId id="260" r:id="rId6"/>
   </p:sldIdLst>
   <p:sldSz cx="12192000" cy="6858000"/>
   <p:notesSz cx="6858000" cy="9144000"/>
@@ -15,7 +17,7 @@
     <a:defPPr>
       <a:defRPr lang="en-US"/>
     </a:defPPr>
-    <a:lvl1pPr marL="0" algn="l" defTabSz="914400" rtl="0" eaLnBrk="1" latinLnBrk="0" hangingPunct="1">
+    <a:lvl1pPr marL="0" algn="l" defTabSz="457200" rtl="0" eaLnBrk="1" latinLnBrk="0" hangingPunct="1">
       <a:defRPr sz="1800" kern="1200">
         <a:solidFill>
           <a:schemeClr val="tx1"/>
@@ -25,7 +27,7 @@
         <a:cs typeface="+mn-cs"/>
       </a:defRPr>
     </a:lvl1pPr>
-    <a:lvl2pPr marL="457200" algn="l" defTabSz="914400" rtl="0" eaLnBrk="1" latinLnBrk="0" hangingPunct="1">
+    <a:lvl2pPr marL="457200" algn="l" defTabSz="457200" rtl="0" eaLnBrk="1" latinLnBrk="0" hangingPunct="1">
       <a:defRPr sz="1800" kern="1200">
         <a:solidFill>
           <a:schemeClr val="tx1"/>
@@ -35,7 +37,7 @@
         <a:cs typeface="+mn-cs"/>
       </a:defRPr>
     </a:lvl2pPr>
-    <a:lvl3pPr marL="914400" algn="l" defTabSz="914400" rtl="0" eaLnBrk="1" latinLnBrk="0" hangingPunct="1">
+    <a:lvl3pPr marL="914400" algn="l" defTabSz="457200" rtl="0" eaLnBrk="1" latinLnBrk="0" hangingPunct="1">
       <a:defRPr sz="1800" kern="1200">
         <a:solidFill>
           <a:schemeClr val="tx1"/>
@@ -45,7 +47,7 @@
         <a:cs typeface="+mn-cs"/>
       </a:defRPr>
     </a:lvl3pPr>
-    <a:lvl4pPr marL="1371600" algn="l" defTabSz="914400" rtl="0" eaLnBrk="1" latinLnBrk="0" hangingPunct="1">
+    <a:lvl4pPr marL="1371600" algn="l" defTabSz="457200" rtl="0" eaLnBrk="1" latinLnBrk="0" hangingPunct="1">
       <a:defRPr sz="1800" kern="1200">
         <a:solidFill>
           <a:schemeClr val="tx1"/>
@@ -55,7 +57,7 @@
         <a:cs typeface="+mn-cs"/>
       </a:defRPr>
     </a:lvl4pPr>
-    <a:lvl5pPr marL="1828800" algn="l" defTabSz="914400" rtl="0" eaLnBrk="1" latinLnBrk="0" hangingPunct="1">
+    <a:lvl5pPr marL="1828800" algn="l" defTabSz="457200" rtl="0" eaLnBrk="1" latinLnBrk="0" hangingPunct="1">
       <a:defRPr sz="1800" kern="1200">
         <a:solidFill>
           <a:schemeClr val="tx1"/>
@@ -65,7 +67,7 @@
         <a:cs typeface="+mn-cs"/>
       </a:defRPr>
     </a:lvl5pPr>
-    <a:lvl6pPr marL="2286000" algn="l" defTabSz="914400" rtl="0" eaLnBrk="1" latinLnBrk="0" hangingPunct="1">
+    <a:lvl6pPr marL="2286000" algn="l" defTabSz="457200" rtl="0" eaLnBrk="1" latinLnBrk="0" hangingPunct="1">
       <a:defRPr sz="1800" kern="1200">
         <a:solidFill>
           <a:schemeClr val="tx1"/>
@@ -75,7 +77,7 @@
         <a:cs typeface="+mn-cs"/>
       </a:defRPr>
     </a:lvl6pPr>
-    <a:lvl7pPr marL="2743200" algn="l" defTabSz="914400" rtl="0" eaLnBrk="1" latinLnBrk="0" hangingPunct="1">
+    <a:lvl7pPr marL="2743200" algn="l" defTabSz="457200" rtl="0" eaLnBrk="1" latinLnBrk="0" hangingPunct="1">
       <a:defRPr sz="1800" kern="1200">
         <a:solidFill>
           <a:schemeClr val="tx1"/>
@@ -85,7 +87,7 @@
         <a:cs typeface="+mn-cs"/>
       </a:defRPr>
     </a:lvl7pPr>
-    <a:lvl8pPr marL="3200400" algn="l" defTabSz="914400" rtl="0" eaLnBrk="1" latinLnBrk="0" hangingPunct="1">
+    <a:lvl8pPr marL="3200400" algn="l" defTabSz="457200" rtl="0" eaLnBrk="1" latinLnBrk="0" hangingPunct="1">
       <a:defRPr sz="1800" kern="1200">
         <a:solidFill>
           <a:schemeClr val="tx1"/>
@@ -95,7 +97,7 @@
         <a:cs typeface="+mn-cs"/>
       </a:defRPr>
     </a:lvl8pPr>
-    <a:lvl9pPr marL="3657600" algn="l" defTabSz="914400" rtl="0" eaLnBrk="1" latinLnBrk="0" hangingPunct="1">
+    <a:lvl9pPr marL="3657600" algn="l" defTabSz="457200" rtl="0" eaLnBrk="1" latinLnBrk="0" hangingPunct="1">
       <a:defRPr sz="1800" kern="1200">
         <a:solidFill>
           <a:schemeClr val="tx1"/>
@@ -133,13 +135,7 @@
       </p:grpSpPr>
       <p:sp>
         <p:nvSpPr>
-          <p:cNvPr id="2" name="Title 1">
-            <a:extLst>
-              <a:ext uri="{FF2B5EF4-FFF2-40B4-BE49-F238E27FC236}">
-                <a16:creationId xmlns:a16="http://schemas.microsoft.com/office/drawing/2014/main" id="{95617987-25FC-06FF-EE49-60E2036023E4}"/>
-              </a:ext>
-            </a:extLst>
-          </p:cNvPr>
+          <p:cNvPr id="2" name="Title 1"/>
           <p:cNvSpPr>
             <a:spLocks noGrp="1"/>
           </p:cNvSpPr>
@@ -165,19 +161,13 @@
               <a:rPr lang="en-GB"/>
               <a:t>Click to edit Master title style</a:t>
             </a:r>
-            <a:endParaRPr lang="en-US"/>
-          </a:p>
-        </p:txBody>
-      </p:sp>
-      <p:sp>
-        <p:nvSpPr>
-          <p:cNvPr id="3" name="Subtitle 2">
-            <a:extLst>
-              <a:ext uri="{FF2B5EF4-FFF2-40B4-BE49-F238E27FC236}">
-                <a16:creationId xmlns:a16="http://schemas.microsoft.com/office/drawing/2014/main" id="{04317599-6F0F-986B-0FB2-543D1D749390}"/>
-              </a:ext>
-            </a:extLst>
-          </p:cNvPr>
+            <a:endParaRPr lang="en-US" dirty="0"/>
+          </a:p>
+        </p:txBody>
+      </p:sp>
+      <p:sp>
+        <p:nvSpPr>
+          <p:cNvPr id="3" name="Subtitle 2"/>
           <p:cNvSpPr>
             <a:spLocks noGrp="1"/>
           </p:cNvSpPr>
@@ -236,19 +226,13 @@
               <a:rPr lang="en-GB"/>
               <a:t>Click to edit Master subtitle style</a:t>
             </a:r>
-            <a:endParaRPr lang="en-US"/>
-          </a:p>
-        </p:txBody>
-      </p:sp>
-      <p:sp>
-        <p:nvSpPr>
-          <p:cNvPr id="4" name="Date Placeholder 3">
-            <a:extLst>
-              <a:ext uri="{FF2B5EF4-FFF2-40B4-BE49-F238E27FC236}">
-                <a16:creationId xmlns:a16="http://schemas.microsoft.com/office/drawing/2014/main" id="{1C154E3B-9168-0F48-18A5-CFDED95AB692}"/>
-              </a:ext>
-            </a:extLst>
-          </p:cNvPr>
+            <a:endParaRPr lang="en-US" dirty="0"/>
+          </a:p>
+        </p:txBody>
+      </p:sp>
+      <p:sp>
+        <p:nvSpPr>
+          <p:cNvPr id="4" name="Date Placeholder 3"/>
           <p:cNvSpPr>
             <a:spLocks noGrp="1"/>
           </p:cNvSpPr>
@@ -271,13 +255,7 @@
       </p:sp>
       <p:sp>
         <p:nvSpPr>
-          <p:cNvPr id="5" name="Footer Placeholder 4">
-            <a:extLst>
-              <a:ext uri="{FF2B5EF4-FFF2-40B4-BE49-F238E27FC236}">
-                <a16:creationId xmlns:a16="http://schemas.microsoft.com/office/drawing/2014/main" id="{FC084367-1A3F-A598-3BB8-5D77D34AAF23}"/>
-              </a:ext>
-            </a:extLst>
-          </p:cNvPr>
+          <p:cNvPr id="5" name="Footer Placeholder 4"/>
           <p:cNvSpPr>
             <a:spLocks noGrp="1"/>
           </p:cNvSpPr>
@@ -296,13 +274,7 @@
       </p:sp>
       <p:sp>
         <p:nvSpPr>
-          <p:cNvPr id="6" name="Slide Number Placeholder 5">
-            <a:extLst>
-              <a:ext uri="{FF2B5EF4-FFF2-40B4-BE49-F238E27FC236}">
-                <a16:creationId xmlns:a16="http://schemas.microsoft.com/office/drawing/2014/main" id="{CDAD8248-5174-2695-A24F-1FDF32CB49A9}"/>
-              </a:ext>
-            </a:extLst>
-          </p:cNvPr>
+          <p:cNvPr id="6" name="Slide Number Placeholder 5"/>
           <p:cNvSpPr>
             <a:spLocks noGrp="1"/>
           </p:cNvSpPr>
@@ -326,7 +298,7 @@
     </p:spTree>
     <p:extLst>
       <p:ext uri="{BB962C8B-B14F-4D97-AF65-F5344CB8AC3E}">
-        <p14:creationId xmlns:p14="http://schemas.microsoft.com/office/powerpoint/2010/main" val="3472773246"/>
+        <p14:creationId xmlns:p14="http://schemas.microsoft.com/office/powerpoint/2010/main" val="2821070822"/>
       </p:ext>
     </p:extLst>
   </p:cSld>
@@ -355,13 +327,7 @@
       </p:grpSpPr>
       <p:sp>
         <p:nvSpPr>
-          <p:cNvPr id="2" name="Title 1">
-            <a:extLst>
-              <a:ext uri="{FF2B5EF4-FFF2-40B4-BE49-F238E27FC236}">
-                <a16:creationId xmlns:a16="http://schemas.microsoft.com/office/drawing/2014/main" id="{55F38EE0-ADB2-B0E6-A828-6043D8D38CC3}"/>
-              </a:ext>
-            </a:extLst>
-          </p:cNvPr>
+          <p:cNvPr id="2" name="Title 1"/>
           <p:cNvSpPr>
             <a:spLocks noGrp="1"/>
           </p:cNvSpPr>
@@ -378,19 +344,13 @@
               <a:rPr lang="en-GB"/>
               <a:t>Click to edit Master title style</a:t>
             </a:r>
-            <a:endParaRPr lang="en-US"/>
-          </a:p>
-        </p:txBody>
-      </p:sp>
-      <p:sp>
-        <p:nvSpPr>
-          <p:cNvPr id="3" name="Vertical Text Placeholder 2">
-            <a:extLst>
-              <a:ext uri="{FF2B5EF4-FFF2-40B4-BE49-F238E27FC236}">
-                <a16:creationId xmlns:a16="http://schemas.microsoft.com/office/drawing/2014/main" id="{1D840EFF-8977-0D7D-CCD6-814451E9CADF}"/>
-              </a:ext>
-            </a:extLst>
-          </p:cNvPr>
+            <a:endParaRPr lang="en-US" dirty="0"/>
+          </a:p>
+        </p:txBody>
+      </p:sp>
+      <p:sp>
+        <p:nvSpPr>
+          <p:cNvPr id="3" name="Vertical Text Placeholder 2"/>
           <p:cNvSpPr>
             <a:spLocks noGrp="1"/>
           </p:cNvSpPr>
@@ -436,19 +396,13 @@
               <a:rPr lang="en-GB"/>
               <a:t>Fifth level</a:t>
             </a:r>
-            <a:endParaRPr lang="en-US"/>
-          </a:p>
-        </p:txBody>
-      </p:sp>
-      <p:sp>
-        <p:nvSpPr>
-          <p:cNvPr id="4" name="Date Placeholder 3">
-            <a:extLst>
-              <a:ext uri="{FF2B5EF4-FFF2-40B4-BE49-F238E27FC236}">
-                <a16:creationId xmlns:a16="http://schemas.microsoft.com/office/drawing/2014/main" id="{D92F86CB-5821-3D0D-C91E-BFA4A5CB442C}"/>
-              </a:ext>
-            </a:extLst>
-          </p:cNvPr>
+            <a:endParaRPr lang="en-US" dirty="0"/>
+          </a:p>
+        </p:txBody>
+      </p:sp>
+      <p:sp>
+        <p:nvSpPr>
+          <p:cNvPr id="4" name="Date Placeholder 3"/>
           <p:cNvSpPr>
             <a:spLocks noGrp="1"/>
           </p:cNvSpPr>
@@ -471,13 +425,7 @@
       </p:sp>
       <p:sp>
         <p:nvSpPr>
-          <p:cNvPr id="5" name="Footer Placeholder 4">
-            <a:extLst>
-              <a:ext uri="{FF2B5EF4-FFF2-40B4-BE49-F238E27FC236}">
-                <a16:creationId xmlns:a16="http://schemas.microsoft.com/office/drawing/2014/main" id="{BC1EB0C1-AB21-68A9-4890-F16635C267A4}"/>
-              </a:ext>
-            </a:extLst>
-          </p:cNvPr>
+          <p:cNvPr id="5" name="Footer Placeholder 4"/>
           <p:cNvSpPr>
             <a:spLocks noGrp="1"/>
           </p:cNvSpPr>
@@ -496,13 +444,7 @@
       </p:sp>
       <p:sp>
         <p:nvSpPr>
-          <p:cNvPr id="6" name="Slide Number Placeholder 5">
-            <a:extLst>
-              <a:ext uri="{FF2B5EF4-FFF2-40B4-BE49-F238E27FC236}">
-                <a16:creationId xmlns:a16="http://schemas.microsoft.com/office/drawing/2014/main" id="{F2C02FCE-E544-BC24-C146-423434123839}"/>
-              </a:ext>
-            </a:extLst>
-          </p:cNvPr>
+          <p:cNvPr id="6" name="Slide Number Placeholder 5"/>
           <p:cNvSpPr>
             <a:spLocks noGrp="1"/>
           </p:cNvSpPr>
@@ -526,7 +468,7 @@
     </p:spTree>
     <p:extLst>
       <p:ext uri="{BB962C8B-B14F-4D97-AF65-F5344CB8AC3E}">
-        <p14:creationId xmlns:p14="http://schemas.microsoft.com/office/powerpoint/2010/main" val="1920134214"/>
+        <p14:creationId xmlns:p14="http://schemas.microsoft.com/office/powerpoint/2010/main" val="1767248633"/>
       </p:ext>
     </p:extLst>
   </p:cSld>
@@ -555,13 +497,7 @@
       </p:grpSpPr>
       <p:sp>
         <p:nvSpPr>
-          <p:cNvPr id="2" name="Vertical Title 1">
-            <a:extLst>
-              <a:ext uri="{FF2B5EF4-FFF2-40B4-BE49-F238E27FC236}">
-                <a16:creationId xmlns:a16="http://schemas.microsoft.com/office/drawing/2014/main" id="{BCB2552C-CFBC-84E9-BE76-A5DB57968A8A}"/>
-              </a:ext>
-            </a:extLst>
-          </p:cNvPr>
+          <p:cNvPr id="2" name="Vertical Title 1"/>
           <p:cNvSpPr>
             <a:spLocks noGrp="1"/>
           </p:cNvSpPr>
@@ -583,19 +519,13 @@
               <a:rPr lang="en-GB"/>
               <a:t>Click to edit Master title style</a:t>
             </a:r>
-            <a:endParaRPr lang="en-US"/>
-          </a:p>
-        </p:txBody>
-      </p:sp>
-      <p:sp>
-        <p:nvSpPr>
-          <p:cNvPr id="3" name="Vertical Text Placeholder 2">
-            <a:extLst>
-              <a:ext uri="{FF2B5EF4-FFF2-40B4-BE49-F238E27FC236}">
-                <a16:creationId xmlns:a16="http://schemas.microsoft.com/office/drawing/2014/main" id="{B267CB9E-7FCF-31AA-E459-A8929B0A856A}"/>
-              </a:ext>
-            </a:extLst>
-          </p:cNvPr>
+            <a:endParaRPr lang="en-US" dirty="0"/>
+          </a:p>
+        </p:txBody>
+      </p:sp>
+      <p:sp>
+        <p:nvSpPr>
+          <p:cNvPr id="3" name="Vertical Text Placeholder 2"/>
           <p:cNvSpPr>
             <a:spLocks noGrp="1"/>
           </p:cNvSpPr>
@@ -646,19 +576,13 @@
               <a:rPr lang="en-GB"/>
               <a:t>Fifth level</a:t>
             </a:r>
-            <a:endParaRPr lang="en-US"/>
-          </a:p>
-        </p:txBody>
-      </p:sp>
-      <p:sp>
-        <p:nvSpPr>
-          <p:cNvPr id="4" name="Date Placeholder 3">
-            <a:extLst>
-              <a:ext uri="{FF2B5EF4-FFF2-40B4-BE49-F238E27FC236}">
-                <a16:creationId xmlns:a16="http://schemas.microsoft.com/office/drawing/2014/main" id="{434D47DC-8B10-DCBA-EE15-B734E79E680B}"/>
-              </a:ext>
-            </a:extLst>
-          </p:cNvPr>
+            <a:endParaRPr lang="en-US" dirty="0"/>
+          </a:p>
+        </p:txBody>
+      </p:sp>
+      <p:sp>
+        <p:nvSpPr>
+          <p:cNvPr id="4" name="Date Placeholder 3"/>
           <p:cNvSpPr>
             <a:spLocks noGrp="1"/>
           </p:cNvSpPr>
@@ -681,13 +605,7 @@
       </p:sp>
       <p:sp>
         <p:nvSpPr>
-          <p:cNvPr id="5" name="Footer Placeholder 4">
-            <a:extLst>
-              <a:ext uri="{FF2B5EF4-FFF2-40B4-BE49-F238E27FC236}">
-                <a16:creationId xmlns:a16="http://schemas.microsoft.com/office/drawing/2014/main" id="{6CBCC656-E856-3133-5B35-A77AC9925A28}"/>
-              </a:ext>
-            </a:extLst>
-          </p:cNvPr>
+          <p:cNvPr id="5" name="Footer Placeholder 4"/>
           <p:cNvSpPr>
             <a:spLocks noGrp="1"/>
           </p:cNvSpPr>
@@ -706,13 +624,7 @@
       </p:sp>
       <p:sp>
         <p:nvSpPr>
-          <p:cNvPr id="6" name="Slide Number Placeholder 5">
-            <a:extLst>
-              <a:ext uri="{FF2B5EF4-FFF2-40B4-BE49-F238E27FC236}">
-                <a16:creationId xmlns:a16="http://schemas.microsoft.com/office/drawing/2014/main" id="{CF7595FF-B055-B355-ABFE-7867B96A4DFA}"/>
-              </a:ext>
-            </a:extLst>
-          </p:cNvPr>
+          <p:cNvPr id="6" name="Slide Number Placeholder 5"/>
           <p:cNvSpPr>
             <a:spLocks noGrp="1"/>
           </p:cNvSpPr>
@@ -736,7 +648,7 @@
     </p:spTree>
     <p:extLst>
       <p:ext uri="{BB962C8B-B14F-4D97-AF65-F5344CB8AC3E}">
-        <p14:creationId xmlns:p14="http://schemas.microsoft.com/office/powerpoint/2010/main" val="926584522"/>
+        <p14:creationId xmlns:p14="http://schemas.microsoft.com/office/powerpoint/2010/main" val="2706604443"/>
       </p:ext>
     </p:extLst>
   </p:cSld>
@@ -765,13 +677,7 @@
       </p:grpSpPr>
       <p:sp>
         <p:nvSpPr>
-          <p:cNvPr id="2" name="Title 1">
-            <a:extLst>
-              <a:ext uri="{FF2B5EF4-FFF2-40B4-BE49-F238E27FC236}">
-                <a16:creationId xmlns:a16="http://schemas.microsoft.com/office/drawing/2014/main" id="{01C5097E-E9A8-A959-3098-8700880A2B7A}"/>
-              </a:ext>
-            </a:extLst>
-          </p:cNvPr>
+          <p:cNvPr id="2" name="Title 1"/>
           <p:cNvSpPr>
             <a:spLocks noGrp="1"/>
           </p:cNvSpPr>
@@ -788,19 +694,13 @@
               <a:rPr lang="en-GB"/>
               <a:t>Click to edit Master title style</a:t>
             </a:r>
-            <a:endParaRPr lang="en-US"/>
-          </a:p>
-        </p:txBody>
-      </p:sp>
-      <p:sp>
-        <p:nvSpPr>
-          <p:cNvPr id="3" name="Content Placeholder 2">
-            <a:extLst>
-              <a:ext uri="{FF2B5EF4-FFF2-40B4-BE49-F238E27FC236}">
-                <a16:creationId xmlns:a16="http://schemas.microsoft.com/office/drawing/2014/main" id="{F18AB67C-F053-4F29-9D94-E4AE8D4381AA}"/>
-              </a:ext>
-            </a:extLst>
-          </p:cNvPr>
+            <a:endParaRPr lang="en-US" dirty="0"/>
+          </a:p>
+        </p:txBody>
+      </p:sp>
+      <p:sp>
+        <p:nvSpPr>
+          <p:cNvPr id="3" name="Content Placeholder 2"/>
           <p:cNvSpPr>
             <a:spLocks noGrp="1"/>
           </p:cNvSpPr>
@@ -846,19 +746,13 @@
               <a:rPr lang="en-GB"/>
               <a:t>Fifth level</a:t>
             </a:r>
-            <a:endParaRPr lang="en-US"/>
-          </a:p>
-        </p:txBody>
-      </p:sp>
-      <p:sp>
-        <p:nvSpPr>
-          <p:cNvPr id="4" name="Date Placeholder 3">
-            <a:extLst>
-              <a:ext uri="{FF2B5EF4-FFF2-40B4-BE49-F238E27FC236}">
-                <a16:creationId xmlns:a16="http://schemas.microsoft.com/office/drawing/2014/main" id="{CD528CDD-35E5-3E4B-6317-3B4CA98A10DE}"/>
-              </a:ext>
-            </a:extLst>
-          </p:cNvPr>
+            <a:endParaRPr lang="en-US" dirty="0"/>
+          </a:p>
+        </p:txBody>
+      </p:sp>
+      <p:sp>
+        <p:nvSpPr>
+          <p:cNvPr id="4" name="Date Placeholder 3"/>
           <p:cNvSpPr>
             <a:spLocks noGrp="1"/>
           </p:cNvSpPr>
@@ -881,13 +775,7 @@
       </p:sp>
       <p:sp>
         <p:nvSpPr>
-          <p:cNvPr id="5" name="Footer Placeholder 4">
-            <a:extLst>
-              <a:ext uri="{FF2B5EF4-FFF2-40B4-BE49-F238E27FC236}">
-                <a16:creationId xmlns:a16="http://schemas.microsoft.com/office/drawing/2014/main" id="{88B00ACB-53A1-666F-CE2A-7ED214BBDEA3}"/>
-              </a:ext>
-            </a:extLst>
-          </p:cNvPr>
+          <p:cNvPr id="5" name="Footer Placeholder 4"/>
           <p:cNvSpPr>
             <a:spLocks noGrp="1"/>
           </p:cNvSpPr>
@@ -906,13 +794,7 @@
       </p:sp>
       <p:sp>
         <p:nvSpPr>
-          <p:cNvPr id="6" name="Slide Number Placeholder 5">
-            <a:extLst>
-              <a:ext uri="{FF2B5EF4-FFF2-40B4-BE49-F238E27FC236}">
-                <a16:creationId xmlns:a16="http://schemas.microsoft.com/office/drawing/2014/main" id="{F4DC5C45-A813-9208-184A-E217B25CC77F}"/>
-              </a:ext>
-            </a:extLst>
-          </p:cNvPr>
+          <p:cNvPr id="6" name="Slide Number Placeholder 5"/>
           <p:cNvSpPr>
             <a:spLocks noGrp="1"/>
           </p:cNvSpPr>
@@ -936,7 +818,7 @@
     </p:spTree>
     <p:extLst>
       <p:ext uri="{BB962C8B-B14F-4D97-AF65-F5344CB8AC3E}">
-        <p14:creationId xmlns:p14="http://schemas.microsoft.com/office/powerpoint/2010/main" val="2603090246"/>
+        <p14:creationId xmlns:p14="http://schemas.microsoft.com/office/powerpoint/2010/main" val="2850652190"/>
       </p:ext>
     </p:extLst>
   </p:cSld>
@@ -965,13 +847,7 @@
       </p:grpSpPr>
       <p:sp>
         <p:nvSpPr>
-          <p:cNvPr id="2" name="Title 1">
-            <a:extLst>
-              <a:ext uri="{FF2B5EF4-FFF2-40B4-BE49-F238E27FC236}">
-                <a16:creationId xmlns:a16="http://schemas.microsoft.com/office/drawing/2014/main" id="{6B7F0A20-DEA9-2B7F-E426-4474468B5EFD}"/>
-              </a:ext>
-            </a:extLst>
-          </p:cNvPr>
+          <p:cNvPr id="2" name="Title 1"/>
           <p:cNvSpPr>
             <a:spLocks noGrp="1"/>
           </p:cNvSpPr>
@@ -997,19 +873,13 @@
               <a:rPr lang="en-GB"/>
               <a:t>Click to edit Master title style</a:t>
             </a:r>
-            <a:endParaRPr lang="en-US"/>
-          </a:p>
-        </p:txBody>
-      </p:sp>
-      <p:sp>
-        <p:nvSpPr>
-          <p:cNvPr id="3" name="Text Placeholder 2">
-            <a:extLst>
-              <a:ext uri="{FF2B5EF4-FFF2-40B4-BE49-F238E27FC236}">
-                <a16:creationId xmlns:a16="http://schemas.microsoft.com/office/drawing/2014/main" id="{FE1B7748-478E-C791-3D01-3E076A9FA147}"/>
-              </a:ext>
-            </a:extLst>
-          </p:cNvPr>
+            <a:endParaRPr lang="en-US" dirty="0"/>
+          </a:p>
+        </p:txBody>
+      </p:sp>
+      <p:sp>
+        <p:nvSpPr>
+          <p:cNvPr id="3" name="Text Placeholder 2"/>
           <p:cNvSpPr>
             <a:spLocks noGrp="1"/>
           </p:cNvSpPr>
@@ -1128,13 +998,7 @@
       </p:sp>
       <p:sp>
         <p:nvSpPr>
-          <p:cNvPr id="4" name="Date Placeholder 3">
-            <a:extLst>
-              <a:ext uri="{FF2B5EF4-FFF2-40B4-BE49-F238E27FC236}">
-                <a16:creationId xmlns:a16="http://schemas.microsoft.com/office/drawing/2014/main" id="{521FC841-F509-3811-99DF-FEC9EF7018B4}"/>
-              </a:ext>
-            </a:extLst>
-          </p:cNvPr>
+          <p:cNvPr id="4" name="Date Placeholder 3"/>
           <p:cNvSpPr>
             <a:spLocks noGrp="1"/>
           </p:cNvSpPr>
@@ -1157,13 +1021,7 @@
       </p:sp>
       <p:sp>
         <p:nvSpPr>
-          <p:cNvPr id="5" name="Footer Placeholder 4">
-            <a:extLst>
-              <a:ext uri="{FF2B5EF4-FFF2-40B4-BE49-F238E27FC236}">
-                <a16:creationId xmlns:a16="http://schemas.microsoft.com/office/drawing/2014/main" id="{C07820D3-7325-B906-164A-7BB1191D31C7}"/>
-              </a:ext>
-            </a:extLst>
-          </p:cNvPr>
+          <p:cNvPr id="5" name="Footer Placeholder 4"/>
           <p:cNvSpPr>
             <a:spLocks noGrp="1"/>
           </p:cNvSpPr>
@@ -1182,13 +1040,7 @@
       </p:sp>
       <p:sp>
         <p:nvSpPr>
-          <p:cNvPr id="6" name="Slide Number Placeholder 5">
-            <a:extLst>
-              <a:ext uri="{FF2B5EF4-FFF2-40B4-BE49-F238E27FC236}">
-                <a16:creationId xmlns:a16="http://schemas.microsoft.com/office/drawing/2014/main" id="{3E13A2B6-364F-45E3-C5B6-6FB45FF37BBE}"/>
-              </a:ext>
-            </a:extLst>
-          </p:cNvPr>
+          <p:cNvPr id="6" name="Slide Number Placeholder 5"/>
           <p:cNvSpPr>
             <a:spLocks noGrp="1"/>
           </p:cNvSpPr>
@@ -1212,7 +1064,7 @@
     </p:spTree>
     <p:extLst>
       <p:ext uri="{BB962C8B-B14F-4D97-AF65-F5344CB8AC3E}">
-        <p14:creationId xmlns:p14="http://schemas.microsoft.com/office/powerpoint/2010/main" val="24464255"/>
+        <p14:creationId xmlns:p14="http://schemas.microsoft.com/office/powerpoint/2010/main" val="3235807020"/>
       </p:ext>
     </p:extLst>
   </p:cSld>
@@ -1241,13 +1093,7 @@
       </p:grpSpPr>
       <p:sp>
         <p:nvSpPr>
-          <p:cNvPr id="2" name="Title 1">
-            <a:extLst>
-              <a:ext uri="{FF2B5EF4-FFF2-40B4-BE49-F238E27FC236}">
-                <a16:creationId xmlns:a16="http://schemas.microsoft.com/office/drawing/2014/main" id="{32763BFA-058C-F65A-CF13-3A8F1FCF809A}"/>
-              </a:ext>
-            </a:extLst>
-          </p:cNvPr>
+          <p:cNvPr id="2" name="Title 1"/>
           <p:cNvSpPr>
             <a:spLocks noGrp="1"/>
           </p:cNvSpPr>
@@ -1264,19 +1110,13 @@
               <a:rPr lang="en-GB"/>
               <a:t>Click to edit Master title style</a:t>
             </a:r>
-            <a:endParaRPr lang="en-US"/>
-          </a:p>
-        </p:txBody>
-      </p:sp>
-      <p:sp>
-        <p:nvSpPr>
-          <p:cNvPr id="3" name="Content Placeholder 2">
-            <a:extLst>
-              <a:ext uri="{FF2B5EF4-FFF2-40B4-BE49-F238E27FC236}">
-                <a16:creationId xmlns:a16="http://schemas.microsoft.com/office/drawing/2014/main" id="{4112D5A8-94B3-B273-065D-3078FA14B322}"/>
-              </a:ext>
-            </a:extLst>
-          </p:cNvPr>
+            <a:endParaRPr lang="en-US" dirty="0"/>
+          </a:p>
+        </p:txBody>
+      </p:sp>
+      <p:sp>
+        <p:nvSpPr>
+          <p:cNvPr id="3" name="Content Placeholder 2"/>
           <p:cNvSpPr>
             <a:spLocks noGrp="1"/>
           </p:cNvSpPr>
@@ -1327,19 +1167,13 @@
               <a:rPr lang="en-GB"/>
               <a:t>Fifth level</a:t>
             </a:r>
-            <a:endParaRPr lang="en-US"/>
-          </a:p>
-        </p:txBody>
-      </p:sp>
-      <p:sp>
-        <p:nvSpPr>
-          <p:cNvPr id="4" name="Content Placeholder 3">
-            <a:extLst>
-              <a:ext uri="{FF2B5EF4-FFF2-40B4-BE49-F238E27FC236}">
-                <a16:creationId xmlns:a16="http://schemas.microsoft.com/office/drawing/2014/main" id="{140E064D-011D-351E-5B99-87D0CD053B63}"/>
-              </a:ext>
-            </a:extLst>
-          </p:cNvPr>
+            <a:endParaRPr lang="en-US" dirty="0"/>
+          </a:p>
+        </p:txBody>
+      </p:sp>
+      <p:sp>
+        <p:nvSpPr>
+          <p:cNvPr id="4" name="Content Placeholder 3"/>
           <p:cNvSpPr>
             <a:spLocks noGrp="1"/>
           </p:cNvSpPr>
@@ -1390,19 +1224,13 @@
               <a:rPr lang="en-GB"/>
               <a:t>Fifth level</a:t>
             </a:r>
-            <a:endParaRPr lang="en-US"/>
-          </a:p>
-        </p:txBody>
-      </p:sp>
-      <p:sp>
-        <p:nvSpPr>
-          <p:cNvPr id="5" name="Date Placeholder 4">
-            <a:extLst>
-              <a:ext uri="{FF2B5EF4-FFF2-40B4-BE49-F238E27FC236}">
-                <a16:creationId xmlns:a16="http://schemas.microsoft.com/office/drawing/2014/main" id="{9852625B-0887-DD0C-37D4-291050EFA2E9}"/>
-              </a:ext>
-            </a:extLst>
-          </p:cNvPr>
+            <a:endParaRPr lang="en-US" dirty="0"/>
+          </a:p>
+        </p:txBody>
+      </p:sp>
+      <p:sp>
+        <p:nvSpPr>
+          <p:cNvPr id="5" name="Date Placeholder 4"/>
           <p:cNvSpPr>
             <a:spLocks noGrp="1"/>
           </p:cNvSpPr>
@@ -1425,13 +1253,7 @@
       </p:sp>
       <p:sp>
         <p:nvSpPr>
-          <p:cNvPr id="6" name="Footer Placeholder 5">
-            <a:extLst>
-              <a:ext uri="{FF2B5EF4-FFF2-40B4-BE49-F238E27FC236}">
-                <a16:creationId xmlns:a16="http://schemas.microsoft.com/office/drawing/2014/main" id="{5FA9024A-1612-D9B7-D459-71B217619B11}"/>
-              </a:ext>
-            </a:extLst>
-          </p:cNvPr>
+          <p:cNvPr id="6" name="Footer Placeholder 5"/>
           <p:cNvSpPr>
             <a:spLocks noGrp="1"/>
           </p:cNvSpPr>
@@ -1450,13 +1272,7 @@
       </p:sp>
       <p:sp>
         <p:nvSpPr>
-          <p:cNvPr id="7" name="Slide Number Placeholder 6">
-            <a:extLst>
-              <a:ext uri="{FF2B5EF4-FFF2-40B4-BE49-F238E27FC236}">
-                <a16:creationId xmlns:a16="http://schemas.microsoft.com/office/drawing/2014/main" id="{78E52EA4-9710-4376-6527-929FCCDF93A6}"/>
-              </a:ext>
-            </a:extLst>
-          </p:cNvPr>
+          <p:cNvPr id="7" name="Slide Number Placeholder 6"/>
           <p:cNvSpPr>
             <a:spLocks noGrp="1"/>
           </p:cNvSpPr>
@@ -1480,7 +1296,7 @@
     </p:spTree>
     <p:extLst>
       <p:ext uri="{BB962C8B-B14F-4D97-AF65-F5344CB8AC3E}">
-        <p14:creationId xmlns:p14="http://schemas.microsoft.com/office/powerpoint/2010/main" val="1150029274"/>
+        <p14:creationId xmlns:p14="http://schemas.microsoft.com/office/powerpoint/2010/main" val="2684065468"/>
       </p:ext>
     </p:extLst>
   </p:cSld>
@@ -1509,13 +1325,7 @@
       </p:grpSpPr>
       <p:sp>
         <p:nvSpPr>
-          <p:cNvPr id="2" name="Title 1">
-            <a:extLst>
-              <a:ext uri="{FF2B5EF4-FFF2-40B4-BE49-F238E27FC236}">
-                <a16:creationId xmlns:a16="http://schemas.microsoft.com/office/drawing/2014/main" id="{5DCF8E36-841C-753A-37A0-8EF307E48F61}"/>
-              </a:ext>
-            </a:extLst>
-          </p:cNvPr>
+          <p:cNvPr id="2" name="Title 1"/>
           <p:cNvSpPr>
             <a:spLocks noGrp="1"/>
           </p:cNvSpPr>
@@ -1537,19 +1347,13 @@
               <a:rPr lang="en-GB"/>
               <a:t>Click to edit Master title style</a:t>
             </a:r>
-            <a:endParaRPr lang="en-US"/>
-          </a:p>
-        </p:txBody>
-      </p:sp>
-      <p:sp>
-        <p:nvSpPr>
-          <p:cNvPr id="3" name="Text Placeholder 2">
-            <a:extLst>
-              <a:ext uri="{FF2B5EF4-FFF2-40B4-BE49-F238E27FC236}">
-                <a16:creationId xmlns:a16="http://schemas.microsoft.com/office/drawing/2014/main" id="{5B7FF4D0-D662-ADB9-5853-52BF93267D0D}"/>
-              </a:ext>
-            </a:extLst>
-          </p:cNvPr>
+            <a:endParaRPr lang="en-US" dirty="0"/>
+          </a:p>
+        </p:txBody>
+      </p:sp>
+      <p:sp>
+        <p:nvSpPr>
+          <p:cNvPr id="3" name="Text Placeholder 2"/>
           <p:cNvSpPr>
             <a:spLocks noGrp="1"/>
           </p:cNvSpPr>
@@ -1614,13 +1418,7 @@
       </p:sp>
       <p:sp>
         <p:nvSpPr>
-          <p:cNvPr id="4" name="Content Placeholder 3">
-            <a:extLst>
-              <a:ext uri="{FF2B5EF4-FFF2-40B4-BE49-F238E27FC236}">
-                <a16:creationId xmlns:a16="http://schemas.microsoft.com/office/drawing/2014/main" id="{CE2C8A06-D9EC-D7E9-E430-6ED038A05693}"/>
-              </a:ext>
-            </a:extLst>
-          </p:cNvPr>
+          <p:cNvPr id="4" name="Content Placeholder 3"/>
           <p:cNvSpPr>
             <a:spLocks noGrp="1"/>
           </p:cNvSpPr>
@@ -1671,19 +1469,13 @@
               <a:rPr lang="en-GB"/>
               <a:t>Fifth level</a:t>
             </a:r>
-            <a:endParaRPr lang="en-US"/>
-          </a:p>
-        </p:txBody>
-      </p:sp>
-      <p:sp>
-        <p:nvSpPr>
-          <p:cNvPr id="5" name="Text Placeholder 4">
-            <a:extLst>
-              <a:ext uri="{FF2B5EF4-FFF2-40B4-BE49-F238E27FC236}">
-                <a16:creationId xmlns:a16="http://schemas.microsoft.com/office/drawing/2014/main" id="{45C43B26-0598-80FD-924E-821E0165A30E}"/>
-              </a:ext>
-            </a:extLst>
-          </p:cNvPr>
+            <a:endParaRPr lang="en-US" dirty="0"/>
+          </a:p>
+        </p:txBody>
+      </p:sp>
+      <p:sp>
+        <p:nvSpPr>
+          <p:cNvPr id="5" name="Text Placeholder 4"/>
           <p:cNvSpPr>
             <a:spLocks noGrp="1"/>
           </p:cNvSpPr>
@@ -1748,13 +1540,7 @@
       </p:sp>
       <p:sp>
         <p:nvSpPr>
-          <p:cNvPr id="6" name="Content Placeholder 5">
-            <a:extLst>
-              <a:ext uri="{FF2B5EF4-FFF2-40B4-BE49-F238E27FC236}">
-                <a16:creationId xmlns:a16="http://schemas.microsoft.com/office/drawing/2014/main" id="{3336641B-18EB-90DF-3AA5-D332FE75F715}"/>
-              </a:ext>
-            </a:extLst>
-          </p:cNvPr>
+          <p:cNvPr id="6" name="Content Placeholder 5"/>
           <p:cNvSpPr>
             <a:spLocks noGrp="1"/>
           </p:cNvSpPr>
@@ -1805,19 +1591,13 @@
               <a:rPr lang="en-GB"/>
               <a:t>Fifth level</a:t>
             </a:r>
-            <a:endParaRPr lang="en-US"/>
-          </a:p>
-        </p:txBody>
-      </p:sp>
-      <p:sp>
-        <p:nvSpPr>
-          <p:cNvPr id="7" name="Date Placeholder 6">
-            <a:extLst>
-              <a:ext uri="{FF2B5EF4-FFF2-40B4-BE49-F238E27FC236}">
-                <a16:creationId xmlns:a16="http://schemas.microsoft.com/office/drawing/2014/main" id="{F76D578A-0C5A-B8C4-95CF-4D6B298853F0}"/>
-              </a:ext>
-            </a:extLst>
-          </p:cNvPr>
+            <a:endParaRPr lang="en-US" dirty="0"/>
+          </a:p>
+        </p:txBody>
+      </p:sp>
+      <p:sp>
+        <p:nvSpPr>
+          <p:cNvPr id="7" name="Date Placeholder 6"/>
           <p:cNvSpPr>
             <a:spLocks noGrp="1"/>
           </p:cNvSpPr>
@@ -1840,13 +1620,7 @@
       </p:sp>
       <p:sp>
         <p:nvSpPr>
-          <p:cNvPr id="8" name="Footer Placeholder 7">
-            <a:extLst>
-              <a:ext uri="{FF2B5EF4-FFF2-40B4-BE49-F238E27FC236}">
-                <a16:creationId xmlns:a16="http://schemas.microsoft.com/office/drawing/2014/main" id="{EDCA79A3-52E4-187A-7578-F5B3AA703144}"/>
-              </a:ext>
-            </a:extLst>
-          </p:cNvPr>
+          <p:cNvPr id="8" name="Footer Placeholder 7"/>
           <p:cNvSpPr>
             <a:spLocks noGrp="1"/>
           </p:cNvSpPr>
@@ -1865,13 +1639,7 @@
       </p:sp>
       <p:sp>
         <p:nvSpPr>
-          <p:cNvPr id="9" name="Slide Number Placeholder 8">
-            <a:extLst>
-              <a:ext uri="{FF2B5EF4-FFF2-40B4-BE49-F238E27FC236}">
-                <a16:creationId xmlns:a16="http://schemas.microsoft.com/office/drawing/2014/main" id="{3D607AF9-388D-CA2B-BAF1-C28C3BE93670}"/>
-              </a:ext>
-            </a:extLst>
-          </p:cNvPr>
+          <p:cNvPr id="9" name="Slide Number Placeholder 8"/>
           <p:cNvSpPr>
             <a:spLocks noGrp="1"/>
           </p:cNvSpPr>
@@ -1895,7 +1663,7 @@
     </p:spTree>
     <p:extLst>
       <p:ext uri="{BB962C8B-B14F-4D97-AF65-F5344CB8AC3E}">
-        <p14:creationId xmlns:p14="http://schemas.microsoft.com/office/powerpoint/2010/main" val="3558426852"/>
+        <p14:creationId xmlns:p14="http://schemas.microsoft.com/office/powerpoint/2010/main" val="610787336"/>
       </p:ext>
     </p:extLst>
   </p:cSld>
@@ -1924,13 +1692,7 @@
       </p:grpSpPr>
       <p:sp>
         <p:nvSpPr>
-          <p:cNvPr id="2" name="Title 1">
-            <a:extLst>
-              <a:ext uri="{FF2B5EF4-FFF2-40B4-BE49-F238E27FC236}">
-                <a16:creationId xmlns:a16="http://schemas.microsoft.com/office/drawing/2014/main" id="{F1E1F767-2350-3C9C-5ACD-C5B997B41489}"/>
-              </a:ext>
-            </a:extLst>
-          </p:cNvPr>
+          <p:cNvPr id="2" name="Title 1"/>
           <p:cNvSpPr>
             <a:spLocks noGrp="1"/>
           </p:cNvSpPr>
@@ -1947,19 +1709,13 @@
               <a:rPr lang="en-GB"/>
               <a:t>Click to edit Master title style</a:t>
             </a:r>
-            <a:endParaRPr lang="en-US"/>
-          </a:p>
-        </p:txBody>
-      </p:sp>
-      <p:sp>
-        <p:nvSpPr>
-          <p:cNvPr id="3" name="Date Placeholder 2">
-            <a:extLst>
-              <a:ext uri="{FF2B5EF4-FFF2-40B4-BE49-F238E27FC236}">
-                <a16:creationId xmlns:a16="http://schemas.microsoft.com/office/drawing/2014/main" id="{446E8B23-B937-CB46-BBB5-BC5F3989941A}"/>
-              </a:ext>
-            </a:extLst>
-          </p:cNvPr>
+            <a:endParaRPr lang="en-US" dirty="0"/>
+          </a:p>
+        </p:txBody>
+      </p:sp>
+      <p:sp>
+        <p:nvSpPr>
+          <p:cNvPr id="3" name="Date Placeholder 2"/>
           <p:cNvSpPr>
             <a:spLocks noGrp="1"/>
           </p:cNvSpPr>
@@ -1982,13 +1738,7 @@
       </p:sp>
       <p:sp>
         <p:nvSpPr>
-          <p:cNvPr id="4" name="Footer Placeholder 3">
-            <a:extLst>
-              <a:ext uri="{FF2B5EF4-FFF2-40B4-BE49-F238E27FC236}">
-                <a16:creationId xmlns:a16="http://schemas.microsoft.com/office/drawing/2014/main" id="{19359856-2629-9516-D4B3-761085F6E21D}"/>
-              </a:ext>
-            </a:extLst>
-          </p:cNvPr>
+          <p:cNvPr id="4" name="Footer Placeholder 3"/>
           <p:cNvSpPr>
             <a:spLocks noGrp="1"/>
           </p:cNvSpPr>
@@ -2007,13 +1757,7 @@
       </p:sp>
       <p:sp>
         <p:nvSpPr>
-          <p:cNvPr id="5" name="Slide Number Placeholder 4">
-            <a:extLst>
-              <a:ext uri="{FF2B5EF4-FFF2-40B4-BE49-F238E27FC236}">
-                <a16:creationId xmlns:a16="http://schemas.microsoft.com/office/drawing/2014/main" id="{19C37CA3-7F2D-8306-FFF2-E166AF824483}"/>
-              </a:ext>
-            </a:extLst>
-          </p:cNvPr>
+          <p:cNvPr id="5" name="Slide Number Placeholder 4"/>
           <p:cNvSpPr>
             <a:spLocks noGrp="1"/>
           </p:cNvSpPr>
@@ -2037,7 +1781,7 @@
     </p:spTree>
     <p:extLst>
       <p:ext uri="{BB962C8B-B14F-4D97-AF65-F5344CB8AC3E}">
-        <p14:creationId xmlns:p14="http://schemas.microsoft.com/office/powerpoint/2010/main" val="1460019285"/>
+        <p14:creationId xmlns:p14="http://schemas.microsoft.com/office/powerpoint/2010/main" val="3323757123"/>
       </p:ext>
     </p:extLst>
   </p:cSld>
@@ -2066,13 +1810,7 @@
       </p:grpSpPr>
       <p:sp>
         <p:nvSpPr>
-          <p:cNvPr id="2" name="Date Placeholder 1">
-            <a:extLst>
-              <a:ext uri="{FF2B5EF4-FFF2-40B4-BE49-F238E27FC236}">
-                <a16:creationId xmlns:a16="http://schemas.microsoft.com/office/drawing/2014/main" id="{36593F14-6A88-EF82-4B91-77E17B80B926}"/>
-              </a:ext>
-            </a:extLst>
-          </p:cNvPr>
+          <p:cNvPr id="2" name="Date Placeholder 1"/>
           <p:cNvSpPr>
             <a:spLocks noGrp="1"/>
           </p:cNvSpPr>
@@ -2095,13 +1833,7 @@
       </p:sp>
       <p:sp>
         <p:nvSpPr>
-          <p:cNvPr id="3" name="Footer Placeholder 2">
-            <a:extLst>
-              <a:ext uri="{FF2B5EF4-FFF2-40B4-BE49-F238E27FC236}">
-                <a16:creationId xmlns:a16="http://schemas.microsoft.com/office/drawing/2014/main" id="{80BA0B5C-1B7A-F9F6-46C0-0CAD174BDA89}"/>
-              </a:ext>
-            </a:extLst>
-          </p:cNvPr>
+          <p:cNvPr id="3" name="Footer Placeholder 2"/>
           <p:cNvSpPr>
             <a:spLocks noGrp="1"/>
           </p:cNvSpPr>
@@ -2120,13 +1852,7 @@
       </p:sp>
       <p:sp>
         <p:nvSpPr>
-          <p:cNvPr id="4" name="Slide Number Placeholder 3">
-            <a:extLst>
-              <a:ext uri="{FF2B5EF4-FFF2-40B4-BE49-F238E27FC236}">
-                <a16:creationId xmlns:a16="http://schemas.microsoft.com/office/drawing/2014/main" id="{29C91F57-E75D-9EEA-70C4-1C0775CDC959}"/>
-              </a:ext>
-            </a:extLst>
-          </p:cNvPr>
+          <p:cNvPr id="4" name="Slide Number Placeholder 3"/>
           <p:cNvSpPr>
             <a:spLocks noGrp="1"/>
           </p:cNvSpPr>
@@ -2150,7 +1876,7 @@
     </p:spTree>
     <p:extLst>
       <p:ext uri="{BB962C8B-B14F-4D97-AF65-F5344CB8AC3E}">
-        <p14:creationId xmlns:p14="http://schemas.microsoft.com/office/powerpoint/2010/main" val="596083286"/>
+        <p14:creationId xmlns:p14="http://schemas.microsoft.com/office/powerpoint/2010/main" val="2433477931"/>
       </p:ext>
     </p:extLst>
   </p:cSld>
@@ -2179,13 +1905,7 @@
       </p:grpSpPr>
       <p:sp>
         <p:nvSpPr>
-          <p:cNvPr id="2" name="Title 1">
-            <a:extLst>
-              <a:ext uri="{FF2B5EF4-FFF2-40B4-BE49-F238E27FC236}">
-                <a16:creationId xmlns:a16="http://schemas.microsoft.com/office/drawing/2014/main" id="{9C363366-1442-CA65-0710-AB93FCFEC66E}"/>
-              </a:ext>
-            </a:extLst>
-          </p:cNvPr>
+          <p:cNvPr id="2" name="Title 1"/>
           <p:cNvSpPr>
             <a:spLocks noGrp="1"/>
           </p:cNvSpPr>
@@ -2211,19 +1931,13 @@
               <a:rPr lang="en-GB"/>
               <a:t>Click to edit Master title style</a:t>
             </a:r>
-            <a:endParaRPr lang="en-US"/>
-          </a:p>
-        </p:txBody>
-      </p:sp>
-      <p:sp>
-        <p:nvSpPr>
-          <p:cNvPr id="3" name="Content Placeholder 2">
-            <a:extLst>
-              <a:ext uri="{FF2B5EF4-FFF2-40B4-BE49-F238E27FC236}">
-                <a16:creationId xmlns:a16="http://schemas.microsoft.com/office/drawing/2014/main" id="{187AC3C4-7548-203C-E324-720504F3B1A4}"/>
-              </a:ext>
-            </a:extLst>
-          </p:cNvPr>
+            <a:endParaRPr lang="en-US" dirty="0"/>
+          </a:p>
+        </p:txBody>
+      </p:sp>
+      <p:sp>
+        <p:nvSpPr>
+          <p:cNvPr id="3" name="Content Placeholder 2"/>
           <p:cNvSpPr>
             <a:spLocks noGrp="1"/>
           </p:cNvSpPr>
@@ -2302,19 +2016,13 @@
               <a:rPr lang="en-GB"/>
               <a:t>Fifth level</a:t>
             </a:r>
-            <a:endParaRPr lang="en-US"/>
-          </a:p>
-        </p:txBody>
-      </p:sp>
-      <p:sp>
-        <p:nvSpPr>
-          <p:cNvPr id="4" name="Text Placeholder 3">
-            <a:extLst>
-              <a:ext uri="{FF2B5EF4-FFF2-40B4-BE49-F238E27FC236}">
-                <a16:creationId xmlns:a16="http://schemas.microsoft.com/office/drawing/2014/main" id="{15813400-EA95-31B2-FF7D-7336792A7817}"/>
-              </a:ext>
-            </a:extLst>
-          </p:cNvPr>
+            <a:endParaRPr lang="en-US" dirty="0"/>
+          </a:p>
+        </p:txBody>
+      </p:sp>
+      <p:sp>
+        <p:nvSpPr>
+          <p:cNvPr id="4" name="Text Placeholder 3"/>
           <p:cNvSpPr>
             <a:spLocks noGrp="1"/>
           </p:cNvSpPr>
@@ -2379,13 +2087,7 @@
       </p:sp>
       <p:sp>
         <p:nvSpPr>
-          <p:cNvPr id="5" name="Date Placeholder 4">
-            <a:extLst>
-              <a:ext uri="{FF2B5EF4-FFF2-40B4-BE49-F238E27FC236}">
-                <a16:creationId xmlns:a16="http://schemas.microsoft.com/office/drawing/2014/main" id="{A50D6556-337C-2B17-046E-D2EAE7A6450C}"/>
-              </a:ext>
-            </a:extLst>
-          </p:cNvPr>
+          <p:cNvPr id="5" name="Date Placeholder 4"/>
           <p:cNvSpPr>
             <a:spLocks noGrp="1"/>
           </p:cNvSpPr>
@@ -2408,13 +2110,7 @@
       </p:sp>
       <p:sp>
         <p:nvSpPr>
-          <p:cNvPr id="6" name="Footer Placeholder 5">
-            <a:extLst>
-              <a:ext uri="{FF2B5EF4-FFF2-40B4-BE49-F238E27FC236}">
-                <a16:creationId xmlns:a16="http://schemas.microsoft.com/office/drawing/2014/main" id="{60CC06B5-B6F2-392A-C1FE-21A1536F76B5}"/>
-              </a:ext>
-            </a:extLst>
-          </p:cNvPr>
+          <p:cNvPr id="6" name="Footer Placeholder 5"/>
           <p:cNvSpPr>
             <a:spLocks noGrp="1"/>
           </p:cNvSpPr>
@@ -2433,13 +2129,7 @@
       </p:sp>
       <p:sp>
         <p:nvSpPr>
-          <p:cNvPr id="7" name="Slide Number Placeholder 6">
-            <a:extLst>
-              <a:ext uri="{FF2B5EF4-FFF2-40B4-BE49-F238E27FC236}">
-                <a16:creationId xmlns:a16="http://schemas.microsoft.com/office/drawing/2014/main" id="{9D4B4272-A477-D1B6-6E25-AA96165505CB}"/>
-              </a:ext>
-            </a:extLst>
-          </p:cNvPr>
+          <p:cNvPr id="7" name="Slide Number Placeholder 6"/>
           <p:cNvSpPr>
             <a:spLocks noGrp="1"/>
           </p:cNvSpPr>
@@ -2463,7 +2153,7 @@
     </p:spTree>
     <p:extLst>
       <p:ext uri="{BB962C8B-B14F-4D97-AF65-F5344CB8AC3E}">
-        <p14:creationId xmlns:p14="http://schemas.microsoft.com/office/powerpoint/2010/main" val="2283521541"/>
+        <p14:creationId xmlns:p14="http://schemas.microsoft.com/office/powerpoint/2010/main" val="4074572730"/>
       </p:ext>
     </p:extLst>
   </p:cSld>
@@ -2492,13 +2182,7 @@
       </p:grpSpPr>
       <p:sp>
         <p:nvSpPr>
-          <p:cNvPr id="2" name="Title 1">
-            <a:extLst>
-              <a:ext uri="{FF2B5EF4-FFF2-40B4-BE49-F238E27FC236}">
-                <a16:creationId xmlns:a16="http://schemas.microsoft.com/office/drawing/2014/main" id="{BC55067D-97DC-C476-39A3-E0DF70C9DFEC}"/>
-              </a:ext>
-            </a:extLst>
-          </p:cNvPr>
+          <p:cNvPr id="2" name="Title 1"/>
           <p:cNvSpPr>
             <a:spLocks noGrp="1"/>
           </p:cNvSpPr>
@@ -2524,21 +2208,15 @@
               <a:rPr lang="en-GB"/>
               <a:t>Click to edit Master title style</a:t>
             </a:r>
-            <a:endParaRPr lang="en-US"/>
-          </a:p>
-        </p:txBody>
-      </p:sp>
-      <p:sp>
-        <p:nvSpPr>
-          <p:cNvPr id="3" name="Picture Placeholder 2">
-            <a:extLst>
-              <a:ext uri="{FF2B5EF4-FFF2-40B4-BE49-F238E27FC236}">
-                <a16:creationId xmlns:a16="http://schemas.microsoft.com/office/drawing/2014/main" id="{DF4435A5-3793-0FFB-5FA5-3EE716A5AE3F}"/>
-              </a:ext>
-            </a:extLst>
-          </p:cNvPr>
-          <p:cNvSpPr>
-            <a:spLocks noGrp="1"/>
+            <a:endParaRPr lang="en-US" dirty="0"/>
+          </a:p>
+        </p:txBody>
+      </p:sp>
+      <p:sp>
+        <p:nvSpPr>
+          <p:cNvPr id="3" name="Picture Placeholder 2"/>
+          <p:cNvSpPr>
+            <a:spLocks noGrp="1" noChangeAspect="1"/>
           </p:cNvSpPr>
           <p:nvPr>
             <p:ph type="pic" idx="1"/>
@@ -2551,7 +2229,7 @@
           </a:xfrm>
         </p:spPr>
         <p:txBody>
-          <a:bodyPr/>
+          <a:bodyPr anchor="t"/>
           <a:lstStyle>
             <a:lvl1pPr marL="0" indent="0">
               <a:buNone/>
@@ -2591,19 +2269,17 @@
             </a:lvl9pPr>
           </a:lstStyle>
           <a:p>
-            <a:endParaRPr lang="en-US"/>
-          </a:p>
-        </p:txBody>
-      </p:sp>
-      <p:sp>
-        <p:nvSpPr>
-          <p:cNvPr id="4" name="Text Placeholder 3">
-            <a:extLst>
-              <a:ext uri="{FF2B5EF4-FFF2-40B4-BE49-F238E27FC236}">
-                <a16:creationId xmlns:a16="http://schemas.microsoft.com/office/drawing/2014/main" id="{8A262659-A571-7306-0ADF-B1EEFFB5974B}"/>
-              </a:ext>
-            </a:extLst>
-          </p:cNvPr>
+            <a:r>
+              <a:rPr lang="en-GB"/>
+              <a:t>Click icon to add picture</a:t>
+            </a:r>
+            <a:endParaRPr lang="en-US" dirty="0"/>
+          </a:p>
+        </p:txBody>
+      </p:sp>
+      <p:sp>
+        <p:nvSpPr>
+          <p:cNvPr id="4" name="Text Placeholder 3"/>
           <p:cNvSpPr>
             <a:spLocks noGrp="1"/>
           </p:cNvSpPr>
@@ -2668,13 +2344,7 @@
       </p:sp>
       <p:sp>
         <p:nvSpPr>
-          <p:cNvPr id="5" name="Date Placeholder 4">
-            <a:extLst>
-              <a:ext uri="{FF2B5EF4-FFF2-40B4-BE49-F238E27FC236}">
-                <a16:creationId xmlns:a16="http://schemas.microsoft.com/office/drawing/2014/main" id="{3E2CC0F0-7979-960C-FE88-8A66186E316C}"/>
-              </a:ext>
-            </a:extLst>
-          </p:cNvPr>
+          <p:cNvPr id="5" name="Date Placeholder 4"/>
           <p:cNvSpPr>
             <a:spLocks noGrp="1"/>
           </p:cNvSpPr>
@@ -2697,13 +2367,7 @@
       </p:sp>
       <p:sp>
         <p:nvSpPr>
-          <p:cNvPr id="6" name="Footer Placeholder 5">
-            <a:extLst>
-              <a:ext uri="{FF2B5EF4-FFF2-40B4-BE49-F238E27FC236}">
-                <a16:creationId xmlns:a16="http://schemas.microsoft.com/office/drawing/2014/main" id="{0FC56B4C-2823-570F-FC69-D13B6128567B}"/>
-              </a:ext>
-            </a:extLst>
-          </p:cNvPr>
+          <p:cNvPr id="6" name="Footer Placeholder 5"/>
           <p:cNvSpPr>
             <a:spLocks noGrp="1"/>
           </p:cNvSpPr>
@@ -2722,13 +2386,7 @@
       </p:sp>
       <p:sp>
         <p:nvSpPr>
-          <p:cNvPr id="7" name="Slide Number Placeholder 6">
-            <a:extLst>
-              <a:ext uri="{FF2B5EF4-FFF2-40B4-BE49-F238E27FC236}">
-                <a16:creationId xmlns:a16="http://schemas.microsoft.com/office/drawing/2014/main" id="{8AC113F6-AB8B-0448-D5BA-AFCBB6DE5C96}"/>
-              </a:ext>
-            </a:extLst>
-          </p:cNvPr>
+          <p:cNvPr id="7" name="Slide Number Placeholder 6"/>
           <p:cNvSpPr>
             <a:spLocks noGrp="1"/>
           </p:cNvSpPr>
@@ -2752,7 +2410,7 @@
     </p:spTree>
     <p:extLst>
       <p:ext uri="{BB962C8B-B14F-4D97-AF65-F5344CB8AC3E}">
-        <p14:creationId xmlns:p14="http://schemas.microsoft.com/office/powerpoint/2010/main" val="452528075"/>
+        <p14:creationId xmlns:p14="http://schemas.microsoft.com/office/powerpoint/2010/main" val="4134716533"/>
       </p:ext>
     </p:extLst>
   </p:cSld>
@@ -2786,13 +2444,7 @@
       </p:grpSpPr>
       <p:sp>
         <p:nvSpPr>
-          <p:cNvPr id="2" name="Title Placeholder 1">
-            <a:extLst>
-              <a:ext uri="{FF2B5EF4-FFF2-40B4-BE49-F238E27FC236}">
-                <a16:creationId xmlns:a16="http://schemas.microsoft.com/office/drawing/2014/main" id="{CC37549E-8764-1D74-DE61-DED332136B4E}"/>
-              </a:ext>
-            </a:extLst>
-          </p:cNvPr>
+          <p:cNvPr id="2" name="Title Placeholder 1"/>
           <p:cNvSpPr>
             <a:spLocks noGrp="1"/>
           </p:cNvSpPr>
@@ -2819,19 +2471,13 @@
               <a:rPr lang="en-GB"/>
               <a:t>Click to edit Master title style</a:t>
             </a:r>
-            <a:endParaRPr lang="en-US"/>
-          </a:p>
-        </p:txBody>
-      </p:sp>
-      <p:sp>
-        <p:nvSpPr>
-          <p:cNvPr id="3" name="Text Placeholder 2">
-            <a:extLst>
-              <a:ext uri="{FF2B5EF4-FFF2-40B4-BE49-F238E27FC236}">
-                <a16:creationId xmlns:a16="http://schemas.microsoft.com/office/drawing/2014/main" id="{D286DA1A-37A1-31C7-F83B-C4DAB864A58F}"/>
-              </a:ext>
-            </a:extLst>
-          </p:cNvPr>
+            <a:endParaRPr lang="en-US" dirty="0"/>
+          </a:p>
+        </p:txBody>
+      </p:sp>
+      <p:sp>
+        <p:nvSpPr>
+          <p:cNvPr id="3" name="Text Placeholder 2"/>
           <p:cNvSpPr>
             <a:spLocks noGrp="1"/>
           </p:cNvSpPr>
@@ -2887,19 +2533,13 @@
               <a:rPr lang="en-GB"/>
               <a:t>Fifth level</a:t>
             </a:r>
-            <a:endParaRPr lang="en-US"/>
-          </a:p>
-        </p:txBody>
-      </p:sp>
-      <p:sp>
-        <p:nvSpPr>
-          <p:cNvPr id="4" name="Date Placeholder 3">
-            <a:extLst>
-              <a:ext uri="{FF2B5EF4-FFF2-40B4-BE49-F238E27FC236}">
-                <a16:creationId xmlns:a16="http://schemas.microsoft.com/office/drawing/2014/main" id="{4C6B0E02-B913-B9AA-701C-852E8EEAA042}"/>
-              </a:ext>
-            </a:extLst>
-          </p:cNvPr>
+            <a:endParaRPr lang="en-US" dirty="0"/>
+          </a:p>
+        </p:txBody>
+      </p:sp>
+      <p:sp>
+        <p:nvSpPr>
+          <p:cNvPr id="4" name="Date Placeholder 3"/>
           <p:cNvSpPr>
             <a:spLocks noGrp="1"/>
           </p:cNvSpPr>
@@ -2940,13 +2580,7 @@
       </p:sp>
       <p:sp>
         <p:nvSpPr>
-          <p:cNvPr id="5" name="Footer Placeholder 4">
-            <a:extLst>
-              <a:ext uri="{FF2B5EF4-FFF2-40B4-BE49-F238E27FC236}">
-                <a16:creationId xmlns:a16="http://schemas.microsoft.com/office/drawing/2014/main" id="{D5A0FEAC-BBC7-BB76-F299-0FD366CAB5CB}"/>
-              </a:ext>
-            </a:extLst>
-          </p:cNvPr>
+          <p:cNvPr id="5" name="Footer Placeholder 4"/>
           <p:cNvSpPr>
             <a:spLocks noGrp="1"/>
           </p:cNvSpPr>
@@ -2983,13 +2617,7 @@
       </p:sp>
       <p:sp>
         <p:nvSpPr>
-          <p:cNvPr id="6" name="Slide Number Placeholder 5">
-            <a:extLst>
-              <a:ext uri="{FF2B5EF4-FFF2-40B4-BE49-F238E27FC236}">
-                <a16:creationId xmlns:a16="http://schemas.microsoft.com/office/drawing/2014/main" id="{6573B378-20D1-D7D4-6B2A-004832A457CB}"/>
-              </a:ext>
-            </a:extLst>
-          </p:cNvPr>
+          <p:cNvPr id="6" name="Slide Number Placeholder 5"/>
           <p:cNvSpPr>
             <a:spLocks noGrp="1"/>
           </p:cNvSpPr>
@@ -3031,23 +2659,23 @@
     </p:spTree>
     <p:extLst>
       <p:ext uri="{BB962C8B-B14F-4D97-AF65-F5344CB8AC3E}">
-        <p14:creationId xmlns:p14="http://schemas.microsoft.com/office/powerpoint/2010/main" val="245723600"/>
+        <p14:creationId xmlns:p14="http://schemas.microsoft.com/office/powerpoint/2010/main" val="662358104"/>
       </p:ext>
     </p:extLst>
   </p:cSld>
   <p:clrMap bg1="lt1" tx1="dk1" bg2="lt2" tx2="dk2" accent1="accent1" accent2="accent2" accent3="accent3" accent4="accent4" accent5="accent5" accent6="accent6" hlink="hlink" folHlink="folHlink"/>
   <p:sldLayoutIdLst>
-    <p:sldLayoutId id="2147483649" r:id="rId1"/>
-    <p:sldLayoutId id="2147483650" r:id="rId2"/>
-    <p:sldLayoutId id="2147483651" r:id="rId3"/>
-    <p:sldLayoutId id="2147483652" r:id="rId4"/>
-    <p:sldLayoutId id="2147483653" r:id="rId5"/>
-    <p:sldLayoutId id="2147483654" r:id="rId6"/>
-    <p:sldLayoutId id="2147483655" r:id="rId7"/>
-    <p:sldLayoutId id="2147483656" r:id="rId8"/>
-    <p:sldLayoutId id="2147483657" r:id="rId9"/>
-    <p:sldLayoutId id="2147483658" r:id="rId10"/>
-    <p:sldLayoutId id="2147483659" r:id="rId11"/>
+    <p:sldLayoutId id="2147483685" r:id="rId1"/>
+    <p:sldLayoutId id="2147483686" r:id="rId2"/>
+    <p:sldLayoutId id="2147483687" r:id="rId3"/>
+    <p:sldLayoutId id="2147483688" r:id="rId4"/>
+    <p:sldLayoutId id="2147483689" r:id="rId5"/>
+    <p:sldLayoutId id="2147483690" r:id="rId6"/>
+    <p:sldLayoutId id="2147483691" r:id="rId7"/>
+    <p:sldLayoutId id="2147483692" r:id="rId8"/>
+    <p:sldLayoutId id="2147483693" r:id="rId9"/>
+    <p:sldLayoutId id="2147483694" r:id="rId10"/>
+    <p:sldLayoutId id="2147483695" r:id="rId11"/>
   </p:sldLayoutIdLst>
   <p:txStyles>
     <p:titleStyle>
@@ -3411,10 +3039,10 @@
       </p:sp>
       <p:pic>
         <p:nvPicPr>
-          <p:cNvPr id="5" name="Picture 4">
+          <p:cNvPr id="6" name="Picture 5" descr="A picture containing chart&#10;&#10;Description automatically generated">
             <a:extLst>
               <a:ext uri="{FF2B5EF4-FFF2-40B4-BE49-F238E27FC236}">
-                <a16:creationId xmlns:a16="http://schemas.microsoft.com/office/drawing/2014/main" id="{4E78DA3A-46AD-2B65-BD4A-9A6CCDD54F98}"/>
+                <a16:creationId xmlns:a16="http://schemas.microsoft.com/office/drawing/2014/main" id="{8CE2731B-A06D-3701-8157-5CA12B50DA1D}"/>
               </a:ext>
             </a:extLst>
           </p:cNvPr>
@@ -3430,9 +3058,9 @@
           </a:stretch>
         </p:blipFill>
         <p:spPr>
-          <a:xfrm>
-            <a:off x="8144327" y="4030064"/>
-            <a:ext cx="3601357" cy="2455471"/>
+          <a:xfrm rot="16200000">
+            <a:off x="8475892" y="3529012"/>
+            <a:ext cx="3601357" cy="2400905"/>
           </a:xfrm>
           <a:prstGeom prst="rect">
             <a:avLst/>
@@ -3441,10 +3069,10 @@
       </p:pic>
       <p:pic>
         <p:nvPicPr>
-          <p:cNvPr id="7" name="Picture 6">
+          <p:cNvPr id="9" name="Picture 8">
             <a:extLst>
               <a:ext uri="{FF2B5EF4-FFF2-40B4-BE49-F238E27FC236}">
-                <a16:creationId xmlns:a16="http://schemas.microsoft.com/office/drawing/2014/main" id="{78CABAE0-2464-CA3A-E91F-DA634215F3EB}"/>
+                <a16:creationId xmlns:a16="http://schemas.microsoft.com/office/drawing/2014/main" id="{AAB6F168-7A16-F1E3-F0DE-6CD1AB60C4C7}"/>
               </a:ext>
             </a:extLst>
           </p:cNvPr>
@@ -3460,9 +3088,9 @@
           </a:stretch>
         </p:blipFill>
         <p:spPr>
-          <a:xfrm rot="5400000">
-            <a:off x="441324" y="918353"/>
-            <a:ext cx="3194475" cy="2178051"/>
+          <a:xfrm rot="10800000">
+            <a:off x="1013809" y="424695"/>
+            <a:ext cx="2857500" cy="1905000"/>
           </a:xfrm>
           <a:prstGeom prst="rect">
             <a:avLst/>
@@ -3830,6 +3458,36 @@
           </a:p>
         </p:txBody>
       </p:sp>
+      <p:pic>
+        <p:nvPicPr>
+          <p:cNvPr id="4" name="Picture 3" descr="A picture containing chart&#10;&#10;Description automatically generated">
+            <a:extLst>
+              <a:ext uri="{FF2B5EF4-FFF2-40B4-BE49-F238E27FC236}">
+                <a16:creationId xmlns:a16="http://schemas.microsoft.com/office/drawing/2014/main" id="{842E8C31-CDE0-721D-3A60-E7FC3AFA513D}"/>
+              </a:ext>
+            </a:extLst>
+          </p:cNvPr>
+          <p:cNvPicPr>
+            <a:picLocks noChangeAspect="1"/>
+          </p:cNvPicPr>
+          <p:nvPr/>
+        </p:nvPicPr>
+        <p:blipFill>
+          <a:blip r:embed="rId2"/>
+          <a:stretch>
+            <a:fillRect/>
+          </a:stretch>
+        </p:blipFill>
+        <p:spPr>
+          <a:xfrm>
+            <a:off x="7910513" y="365125"/>
+            <a:ext cx="2857500" cy="1905000"/>
+          </a:xfrm>
+          <a:prstGeom prst="rect">
+            <a:avLst/>
+          </a:prstGeom>
+        </p:spPr>
+      </p:pic>
     </p:spTree>
     <p:extLst>
       <p:ext uri="{BB962C8B-B14F-4D97-AF65-F5344CB8AC3E}">
@@ -3843,10 +3501,227 @@
 </p:sld>
 </file>
 
+<file path=ppt/slides/slide4.xml><?xml version="1.0" encoding="utf-8"?>
+<p:sld xmlns:a="http://schemas.openxmlformats.org/drawingml/2006/main" xmlns:r="http://schemas.openxmlformats.org/officeDocument/2006/relationships" xmlns:p="http://schemas.openxmlformats.org/presentationml/2006/main">
+  <p:cSld>
+    <p:spTree>
+      <p:nvGrpSpPr>
+        <p:cNvPr id="1" name=""/>
+        <p:cNvGrpSpPr/>
+        <p:nvPr/>
+      </p:nvGrpSpPr>
+      <p:grpSpPr>
+        <a:xfrm>
+          <a:off x="0" y="0"/>
+          <a:ext cx="0" cy="0"/>
+          <a:chOff x="0" y="0"/>
+          <a:chExt cx="0" cy="0"/>
+        </a:xfrm>
+      </p:grpSpPr>
+      <p:sp>
+        <p:nvSpPr>
+          <p:cNvPr id="2" name="Title 1">
+            <a:extLst>
+              <a:ext uri="{FF2B5EF4-FFF2-40B4-BE49-F238E27FC236}">
+                <a16:creationId xmlns:a16="http://schemas.microsoft.com/office/drawing/2014/main" id="{80FA4F0E-0F12-BE2C-DCC3-A58CC8526AB4}"/>
+              </a:ext>
+            </a:extLst>
+          </p:cNvPr>
+          <p:cNvSpPr>
+            <a:spLocks noGrp="1"/>
+          </p:cNvSpPr>
+          <p:nvPr>
+            <p:ph type="title"/>
+          </p:nvPr>
+        </p:nvSpPr>
+        <p:spPr/>
+        <p:txBody>
+          <a:bodyPr/>
+          <a:lstStyle/>
+          <a:p>
+            <a:r>
+              <a:rPr lang="en-US" dirty="0">
+                <a:latin typeface="Comic Sans MS" panose="030F0902030302020204" pitchFamily="66" charset="0"/>
+              </a:rPr>
+              <a:t>Our journey…</a:t>
+            </a:r>
+          </a:p>
+        </p:txBody>
+      </p:sp>
+      <p:pic>
+        <p:nvPicPr>
+          <p:cNvPr id="5" name="Content Placeholder 4" descr="A picture containing logo&#10;&#10;Description automatically generated">
+            <a:extLst>
+              <a:ext uri="{FF2B5EF4-FFF2-40B4-BE49-F238E27FC236}">
+                <a16:creationId xmlns:a16="http://schemas.microsoft.com/office/drawing/2014/main" id="{799D3DC7-BF05-838F-92D9-90A69A2E8D86}"/>
+              </a:ext>
+            </a:extLst>
+          </p:cNvPr>
+          <p:cNvPicPr>
+            <a:picLocks noGrp="1" noChangeAspect="1"/>
+          </p:cNvPicPr>
+          <p:nvPr>
+            <p:ph idx="1"/>
+          </p:nvPr>
+        </p:nvPicPr>
+        <p:blipFill>
+          <a:blip r:embed="rId2"/>
+          <a:stretch>
+            <a:fillRect/>
+          </a:stretch>
+        </p:blipFill>
+        <p:spPr>
+          <a:xfrm>
+            <a:off x="5805488" y="551656"/>
+            <a:ext cx="3810000" cy="952500"/>
+          </a:xfrm>
+        </p:spPr>
+      </p:pic>
+    </p:spTree>
+    <p:extLst>
+      <p:ext uri="{BB962C8B-B14F-4D97-AF65-F5344CB8AC3E}">
+        <p14:creationId xmlns:p14="http://schemas.microsoft.com/office/powerpoint/2010/main" val="726534799"/>
+      </p:ext>
+    </p:extLst>
+  </p:cSld>
+  <p:clrMapOvr>
+    <a:masterClrMapping/>
+  </p:clrMapOvr>
+</p:sld>
+</file>
+
+<file path=ppt/slides/slide5.xml><?xml version="1.0" encoding="utf-8"?>
+<p:sld xmlns:a="http://schemas.openxmlformats.org/drawingml/2006/main" xmlns:r="http://schemas.openxmlformats.org/officeDocument/2006/relationships" xmlns:p="http://schemas.openxmlformats.org/presentationml/2006/main">
+  <p:cSld>
+    <p:spTree>
+      <p:nvGrpSpPr>
+        <p:cNvPr id="1" name=""/>
+        <p:cNvGrpSpPr/>
+        <p:nvPr/>
+      </p:nvGrpSpPr>
+      <p:grpSpPr>
+        <a:xfrm>
+          <a:off x="0" y="0"/>
+          <a:ext cx="0" cy="0"/>
+          <a:chOff x="0" y="0"/>
+          <a:chExt cx="0" cy="0"/>
+        </a:xfrm>
+      </p:grpSpPr>
+      <p:sp>
+        <p:nvSpPr>
+          <p:cNvPr id="2" name="Title 1">
+            <a:extLst>
+              <a:ext uri="{FF2B5EF4-FFF2-40B4-BE49-F238E27FC236}">
+                <a16:creationId xmlns:a16="http://schemas.microsoft.com/office/drawing/2014/main" id="{6D19F552-D905-0248-D9C8-481BFC9C0770}"/>
+              </a:ext>
+            </a:extLst>
+          </p:cNvPr>
+          <p:cNvSpPr>
+            <a:spLocks noGrp="1"/>
+          </p:cNvSpPr>
+          <p:nvPr>
+            <p:ph type="title"/>
+          </p:nvPr>
+        </p:nvSpPr>
+        <p:spPr/>
+        <p:txBody>
+          <a:bodyPr/>
+          <a:lstStyle/>
+          <a:p>
+            <a:r>
+              <a:rPr lang="en-US" dirty="0"/>
+              <a:t>The features</a:t>
+            </a:r>
+          </a:p>
+        </p:txBody>
+      </p:sp>
+      <p:sp>
+        <p:nvSpPr>
+          <p:cNvPr id="3" name="Content Placeholder 2">
+            <a:extLst>
+              <a:ext uri="{FF2B5EF4-FFF2-40B4-BE49-F238E27FC236}">
+                <a16:creationId xmlns:a16="http://schemas.microsoft.com/office/drawing/2014/main" id="{51D86E46-937C-AF55-5FB1-11E0CB9B0DF4}"/>
+              </a:ext>
+            </a:extLst>
+          </p:cNvPr>
+          <p:cNvSpPr>
+            <a:spLocks noGrp="1"/>
+          </p:cNvSpPr>
+          <p:nvPr>
+            <p:ph idx="1"/>
+          </p:nvPr>
+        </p:nvSpPr>
+        <p:spPr/>
+        <p:txBody>
+          <a:bodyPr/>
+          <a:lstStyle/>
+          <a:p>
+            <a:r>
+              <a:rPr lang="en-US" dirty="0"/>
+              <a:t>Functional Tetris</a:t>
+            </a:r>
+          </a:p>
+          <a:p>
+            <a:r>
+              <a:rPr lang="en-US" dirty="0"/>
+              <a:t>Scoring system?</a:t>
+            </a:r>
+          </a:p>
+          <a:p>
+            <a:r>
+              <a:rPr lang="en-US" dirty="0"/>
+              <a:t>Charming aesthetic</a:t>
+            </a:r>
+          </a:p>
+        </p:txBody>
+      </p:sp>
+      <p:pic>
+        <p:nvPicPr>
+          <p:cNvPr id="5" name="Picture 4" descr="A picture containing qr code&#10;&#10;Description automatically generated">
+            <a:extLst>
+              <a:ext uri="{FF2B5EF4-FFF2-40B4-BE49-F238E27FC236}">
+                <a16:creationId xmlns:a16="http://schemas.microsoft.com/office/drawing/2014/main" id="{B4333194-5009-10AD-A63A-F59F03A560A2}"/>
+              </a:ext>
+            </a:extLst>
+          </p:cNvPr>
+          <p:cNvPicPr>
+            <a:picLocks noChangeAspect="1"/>
+          </p:cNvPicPr>
+          <p:nvPr/>
+        </p:nvPicPr>
+        <p:blipFill>
+          <a:blip r:embed="rId2"/>
+          <a:stretch>
+            <a:fillRect/>
+          </a:stretch>
+        </p:blipFill>
+        <p:spPr>
+          <a:xfrm>
+            <a:off x="9686925" y="450850"/>
+            <a:ext cx="1905000" cy="1905000"/>
+          </a:xfrm>
+          <a:prstGeom prst="rect">
+            <a:avLst/>
+          </a:prstGeom>
+        </p:spPr>
+      </p:pic>
+    </p:spTree>
+    <p:extLst>
+      <p:ext uri="{BB962C8B-B14F-4D97-AF65-F5344CB8AC3E}">
+        <p14:creationId xmlns:p14="http://schemas.microsoft.com/office/powerpoint/2010/main" val="782799923"/>
+      </p:ext>
+    </p:extLst>
+  </p:cSld>
+  <p:clrMapOvr>
+    <a:masterClrMapping/>
+  </p:clrMapOvr>
+</p:sld>
+</file>
+
 <file path=ppt/theme/theme1.xml><?xml version="1.0" encoding="utf-8"?>
 <a:theme xmlns:a="http://schemas.openxmlformats.org/drawingml/2006/main" name="Office Theme">
   <a:themeElements>
-    <a:clrScheme name="Office">
+    <a:clrScheme name="Office Theme">
       <a:dk1>
         <a:sysClr val="windowText" lastClr="000000"/>
       </a:dk1>
@@ -3884,7 +3759,7 @@
         <a:srgbClr val="954F72"/>
       </a:folHlink>
     </a:clrScheme>
-    <a:fontScheme name="Office">
+    <a:fontScheme name="Office Theme">
       <a:majorFont>
         <a:latin typeface="Calibri Light" panose="020F0302020204030204"/>
         <a:ea typeface=""/>
@@ -3919,23 +3794,6 @@
         <a:font script="Viet" typeface="Times New Roman"/>
         <a:font script="Uigh" typeface="Microsoft Uighur"/>
         <a:font script="Geor" typeface="Sylfaen"/>
-        <a:font script="Armn" typeface="Arial"/>
-        <a:font script="Bugi" typeface="Leelawadee UI"/>
-        <a:font script="Bopo" typeface="Microsoft JhengHei"/>
-        <a:font script="Java" typeface="Javanese Text"/>
-        <a:font script="Lisu" typeface="Segoe UI"/>
-        <a:font script="Mymr" typeface="Myanmar Text"/>
-        <a:font script="Nkoo" typeface="Ebrima"/>
-        <a:font script="Olck" typeface="Nirmala UI"/>
-        <a:font script="Osma" typeface="Ebrima"/>
-        <a:font script="Phag" typeface="Phagspa"/>
-        <a:font script="Syrn" typeface="Estrangelo Edessa"/>
-        <a:font script="Syrj" typeface="Estrangelo Edessa"/>
-        <a:font script="Syre" typeface="Estrangelo Edessa"/>
-        <a:font script="Sora" typeface="Nirmala UI"/>
-        <a:font script="Tale" typeface="Microsoft Tai Le"/>
-        <a:font script="Talu" typeface="Microsoft New Tai Lue"/>
-        <a:font script="Tfng" typeface="Ebrima"/>
       </a:majorFont>
       <a:minorFont>
         <a:latin typeface="Calibri" panose="020F0502020204030204"/>
@@ -3971,26 +3829,9 @@
         <a:font script="Viet" typeface="Arial"/>
         <a:font script="Uigh" typeface="Microsoft Uighur"/>
         <a:font script="Geor" typeface="Sylfaen"/>
-        <a:font script="Armn" typeface="Arial"/>
-        <a:font script="Bugi" typeface="Leelawadee UI"/>
-        <a:font script="Bopo" typeface="Microsoft JhengHei"/>
-        <a:font script="Java" typeface="Javanese Text"/>
-        <a:font script="Lisu" typeface="Segoe UI"/>
-        <a:font script="Mymr" typeface="Myanmar Text"/>
-        <a:font script="Nkoo" typeface="Ebrima"/>
-        <a:font script="Olck" typeface="Nirmala UI"/>
-        <a:font script="Osma" typeface="Ebrima"/>
-        <a:font script="Phag" typeface="Phagspa"/>
-        <a:font script="Syrn" typeface="Estrangelo Edessa"/>
-        <a:font script="Syrj" typeface="Estrangelo Edessa"/>
-        <a:font script="Syre" typeface="Estrangelo Edessa"/>
-        <a:font script="Sora" typeface="Nirmala UI"/>
-        <a:font script="Tale" typeface="Microsoft Tai Le"/>
-        <a:font script="Talu" typeface="Microsoft New Tai Lue"/>
-        <a:font script="Tfng" typeface="Ebrima"/>
       </a:minorFont>
     </a:fontScheme>
-    <a:fmtScheme name="Office">
+    <a:fmtScheme name="Office Theme">
       <a:fillStyleLst>
         <a:solidFill>
           <a:schemeClr val="phClr"/>
@@ -4132,7 +3973,7 @@
   <a:extraClrSchemeLst/>
   <a:extLst>
     <a:ext uri="{05A4C25C-085E-4340-85A3-A5531E510DB2}">
-      <thm15:themeFamily xmlns:thm15="http://schemas.microsoft.com/office/thememl/2012/main" name="Office Theme" id="{62F939B6-93AF-4DB8-9C6B-D6C7DFDC589F}" vid="{4A3C46E8-61CC-4603-A589-7422A47A8E4A}"/>
+      <thm15:themeFamily xmlns:thm15="http://schemas.microsoft.com/office/thememl/2012/main" name="Office Theme 2013 - 2022" id="{62F939B6-93AF-4DB8-9C6B-D6C7DFDC589F}" vid="{4A3C46E8-61CC-4603-A589-7422A47A8E4A}"/>
     </a:ext>
   </a:extLst>
 </a:theme>
